--- a/presentation/Learning_analytics_Newport_2019.pptx
+++ b/presentation/Learning_analytics_Newport_2019.pptx
@@ -36,6 +36,18 @@
     <p:sldId id="284" r:id="rId30"/>
     <p:sldId id="285" r:id="rId31"/>
     <p:sldId id="286" r:id="rId32"/>
+    <p:sldId id="287" r:id="rId33"/>
+    <p:sldId id="288" r:id="rId34"/>
+    <p:sldId id="289" r:id="rId35"/>
+    <p:sldId id="290" r:id="rId36"/>
+    <p:sldId id="291" r:id="rId37"/>
+    <p:sldId id="292" r:id="rId38"/>
+    <p:sldId id="293" r:id="rId39"/>
+    <p:sldId id="294" r:id="rId40"/>
+    <p:sldId id="295" r:id="rId41"/>
+    <p:sldId id="296" r:id="rId42"/>
+    <p:sldId id="297" r:id="rId43"/>
+    <p:sldId id="298" r:id="rId44"/>
   </p:sldIdLst>
   <p:sldSz cx="9144000" cy="6858000" type="screen4x3"/>
   <p:notesSz cx="6858000" cy="9144000"/>
@@ -3299,7 +3311,7 @@
             </a:pPr>
             <a:r>
               <a:rPr/>
-              <a:t>9/29/2019</a:t>
+              <a:t>10/12/2019</a:t>
             </a:r>
           </a:p>
         </p:txBody>
@@ -4654,7 +4666,7 @@
             <a:pPr lvl="1"/>
             <a:r>
               <a:rPr/>
-              <a:t>Taking LA to emerging coutries (EU funded)</a:t>
+              <a:t>Taking LA to emerging countries (EU funded)</a:t>
             </a:r>
           </a:p>
           <a:p>
@@ -4738,6 +4750,74 @@
             <a:r>
               <a:rPr/>
               <a:t>Literacy</a:t>
+            </a:r>
+          </a:p>
+        </p:txBody>
+      </p:sp>
+      <p:sp>
+        <p:nvSpPr>
+          <p:cNvPr id="3" name="Content Placeholder 2"/>
+          <p:cNvSpPr>
+            <a:spLocks noGrp="1"/>
+          </p:cNvSpPr>
+          <p:nvPr>
+            <p:ph idx="1"/>
+          </p:nvPr>
+        </p:nvSpPr>
+        <p:spPr/>
+        <p:txBody>
+          <a:bodyPr/>
+          <a:lstStyle/>
+          <a:p>
+            <a:pPr lvl="1"/>
+            <a:r>
+              <a:rPr/>
+              <a:t>Measures of central tendency</a:t>
+            </a:r>
+          </a:p>
+          <a:p>
+            <a:pPr lvl="1"/>
+            <a:r>
+              <a:rPr/>
+              <a:t>Desciptive, inferential, predictive</a:t>
+            </a:r>
+          </a:p>
+          <a:p>
+            <a:pPr lvl="1"/>
+            <a:r>
+              <a:rPr/>
+              <a:t>Correlation is </a:t>
+            </a:r>
+            <a:r>
+              <a:rPr b="1"/>
+              <a:t>not</a:t>
+            </a:r>
+            <a:r>
+              <a:rPr/>
+              <a:t> causation</a:t>
+            </a:r>
+          </a:p>
+          <a:p>
+            <a:pPr lvl="1"/>
+            <a:r>
+              <a:rPr/>
+              <a:t>Confusion Matrix</a:t>
+            </a:r>
+          </a:p>
+          <a:p>
+            <a:pPr lvl="1"/>
+            <a:r>
+              <a:rPr/>
+              <a:t>Accuracy vs. Interpretability</a:t>
+            </a:r>
+          </a:p>
+          <a:p>
+            <a:pPr lvl="0" marL="0" indent="0">
+              <a:buNone/>
+            </a:pPr>
+            <a:r>
+              <a:rPr/>
+              <a:t>Too much “dumbing down” renders the analysis useless</a:t>
             </a:r>
           </a:p>
         </p:txBody>
@@ -5254,6 +5334,31 @@
           </a:p>
         </p:txBody>
       </p:sp>
+      <p:sp>
+        <p:nvSpPr>
+          <p:cNvPr id="3" name="Content Placeholder 2"/>
+          <p:cNvSpPr>
+            <a:spLocks noGrp="1"/>
+          </p:cNvSpPr>
+          <p:nvPr>
+            <p:ph idx="1"/>
+          </p:nvPr>
+        </p:nvSpPr>
+        <p:spPr/>
+        <p:txBody>
+          <a:bodyPr/>
+          <a:lstStyle/>
+          <a:p>
+            <a:pPr lvl="0" marL="0" indent="0">
+              <a:buNone/>
+            </a:pPr>
+            <a:r>
+              <a:rPr/>
+              <a:t>“Our first-year drop-out rates are sky-high compared to later years”</a:t>
+            </a:r>
+          </a:p>
+        </p:txBody>
+      </p:sp>
     </p:spTree>
   </p:cSld>
 </p:sld>
@@ -5296,23 +5401,15 @@
             </a:pPr>
             <a:r>
               <a:rPr/>
-              <a:t>Social</a:t>
-            </a:r>
-            <a:r>
-              <a:rPr/>
-              <a:t> </a:t>
-            </a:r>
-            <a:r>
-              <a:rPr/>
-              <a:t>Network</a:t>
-            </a:r>
-            <a:r>
-              <a:rPr/>
-              <a:t> </a:t>
-            </a:r>
-            <a:r>
-              <a:rPr/>
-              <a:t>Analysis</a:t>
+              <a:t>Bias:</a:t>
+            </a:r>
+            <a:r>
+              <a:rPr/>
+              <a:t> </a:t>
+            </a:r>
+            <a:r>
+              <a:rPr/>
+              <a:t>Procrastinationism</a:t>
             </a:r>
           </a:p>
         </p:txBody>
@@ -5359,15 +5456,66 @@
             </a:pPr>
             <a:r>
               <a:rPr/>
-              <a:t>Linguistic</a:t>
-            </a:r>
-            <a:r>
-              <a:rPr/>
-              <a:t> </a:t>
-            </a:r>
-            <a:r>
-              <a:rPr/>
-              <a:t>Analysis</a:t>
+              <a:t>Bias:</a:t>
+            </a:r>
+            <a:r>
+              <a:rPr/>
+              <a:t> </a:t>
+            </a:r>
+            <a:r>
+              <a:rPr/>
+              <a:t>Procrastinationism</a:t>
+            </a:r>
+          </a:p>
+        </p:txBody>
+      </p:sp>
+      <p:sp>
+        <p:nvSpPr>
+          <p:cNvPr id="3" name="Content Placeholder 2"/>
+          <p:cNvSpPr>
+            <a:spLocks noGrp="1"/>
+          </p:cNvSpPr>
+          <p:nvPr>
+            <p:ph idx="1"/>
+          </p:nvPr>
+        </p:nvSpPr>
+        <p:spPr/>
+        <p:txBody>
+          <a:bodyPr/>
+          <a:lstStyle/>
+          <a:p>
+            <a:pPr lvl="1"/>
+            <a:r>
+              <a:rPr/>
+              <a:t>Study Habits</a:t>
+            </a:r>
+          </a:p>
+          <a:p>
+            <a:pPr lvl="2"/>
+            <a:r>
+              <a:rPr/>
+              <a:t>“Binging” seen as negative</a:t>
+            </a:r>
+          </a:p>
+          <a:p>
+            <a:pPr lvl="2"/>
+            <a:r>
+              <a:rPr/>
+              <a:t>Easy to detect, especially in an LMS (entropy)</a:t>
+            </a:r>
+          </a:p>
+          <a:p>
+            <a:pPr lvl="2"/>
+            <a:r>
+              <a:rPr/>
+              <a:t>Causal link unclear (e.g. context needed)</a:t>
+            </a:r>
+          </a:p>
+          <a:p>
+            <a:pPr lvl="2"/>
+            <a:r>
+              <a:rPr/>
+              <a:t>Self-reporting shows low/no correlation between perception and behavior</a:t>
             </a:r>
           </a:p>
         </p:txBody>
@@ -5536,15 +5684,115 @@
             </a:pPr>
             <a:r>
               <a:rPr/>
-              <a:t>Learning</a:t>
-            </a:r>
-            <a:r>
-              <a:rPr/>
-              <a:t> </a:t>
-            </a:r>
-            <a:r>
-              <a:rPr/>
-              <a:t>Path</a:t>
+              <a:t>On</a:t>
+            </a:r>
+            <a:r>
+              <a:rPr/>
+              <a:t> </a:t>
+            </a:r>
+            <a:r>
+              <a:rPr/>
+              <a:t>the</a:t>
+            </a:r>
+            <a:r>
+              <a:rPr/>
+              <a:t> </a:t>
+            </a:r>
+            <a:r>
+              <a:rPr/>
+              <a:t>rise:</a:t>
+            </a:r>
+            <a:r>
+              <a:rPr/>
+              <a:t> </a:t>
+            </a:r>
+            <a:r>
+              <a:rPr/>
+              <a:t>Social</a:t>
+            </a:r>
+            <a:r>
+              <a:rPr/>
+              <a:t> </a:t>
+            </a:r>
+            <a:r>
+              <a:rPr/>
+              <a:t>Network</a:t>
+            </a:r>
+            <a:r>
+              <a:rPr/>
+              <a:t> </a:t>
+            </a:r>
+            <a:r>
+              <a:rPr/>
+              <a:t>Analysis</a:t>
+            </a:r>
+          </a:p>
+        </p:txBody>
+      </p:sp>
+      <p:pic>
+        <p:nvPicPr>
+          <p:cNvPr descr="img/SNA.png" id="0" name="Picture 1"/>
+          <p:cNvPicPr>
+            <a:picLocks noGrp="1" noChangeAspect="1"/>
+          </p:cNvPicPr>
+          <p:nvPr/>
+        </p:nvPicPr>
+        <p:blipFill>
+          <a:blip r:embed="rId2"/>
+          <a:stretch>
+            <a:fillRect/>
+          </a:stretch>
+        </p:blipFill>
+        <p:spPr bwMode="auto">
+          <a:xfrm>
+            <a:off x="1790700" y="1600200"/>
+            <a:ext cx="5562600" cy="4013200"/>
+          </a:xfrm>
+          <a:prstGeom prst="rect">
+            <a:avLst/>
+          </a:prstGeom>
+          <a:noFill/>
+          <a:ln w="9525">
+            <a:noFill/>
+            <a:headEnd/>
+            <a:tailEnd/>
+          </a:ln>
+        </p:spPr>
+      </p:pic>
+      <p:sp>
+        <p:nvSpPr>
+          <p:cNvPr id="1" name="TextBox 3"/>
+          <p:cNvSpPr txBox="1"/>
+          <p:nvPr/>
+        </p:nvSpPr>
+        <p:spPr>
+          <a:xfrm>
+            <a:off x="457200" y="5613400"/>
+            <a:ext cx="8229600" cy="508000"/>
+          </a:xfrm>
+          <a:prstGeom prst="rect">
+            <a:avLst/>
+          </a:prstGeom>
+          <a:noFill/>
+        </p:spPr>
+        <p:txBody>
+          <a:bodyPr/>
+          <a:lstStyle/>
+          <a:p>
+            <a:pPr lvl="0" marL="0" indent="0" algn="ctr">
+              <a:buNone/>
+            </a:pPr>
+            <a:r>
+              <a:rPr/>
+              <a:t>Social</a:t>
+            </a:r>
+            <a:r>
+              <a:rPr/>
+              <a:t> </a:t>
+            </a:r>
+            <a:r>
+              <a:rPr/>
+              <a:t>Network</a:t>
             </a:r>
             <a:r>
               <a:rPr/>
@@ -5599,7 +5847,627 @@
             </a:pPr>
             <a:r>
               <a:rPr/>
-              <a:t>References</a:t>
+              <a:t>On</a:t>
+            </a:r>
+            <a:r>
+              <a:rPr/>
+              <a:t> </a:t>
+            </a:r>
+            <a:r>
+              <a:rPr/>
+              <a:t>the</a:t>
+            </a:r>
+            <a:r>
+              <a:rPr/>
+              <a:t> </a:t>
+            </a:r>
+            <a:r>
+              <a:rPr/>
+              <a:t>rise:</a:t>
+            </a:r>
+            <a:r>
+              <a:rPr/>
+              <a:t> </a:t>
+            </a:r>
+            <a:r>
+              <a:rPr/>
+              <a:t>Linguistic</a:t>
+            </a:r>
+            <a:r>
+              <a:rPr/>
+              <a:t> </a:t>
+            </a:r>
+            <a:r>
+              <a:rPr/>
+              <a:t>Analysis</a:t>
+            </a:r>
+          </a:p>
+        </p:txBody>
+      </p:sp>
+      <p:pic>
+        <p:nvPicPr>
+          <p:cNvPr descr="img/bigrams.png" id="0" name="Picture 1"/>
+          <p:cNvPicPr>
+            <a:picLocks noGrp="1" noChangeAspect="1"/>
+          </p:cNvPicPr>
+          <p:nvPr/>
+        </p:nvPicPr>
+        <p:blipFill>
+          <a:blip r:embed="rId2"/>
+          <a:stretch>
+            <a:fillRect/>
+          </a:stretch>
+        </p:blipFill>
+        <p:spPr bwMode="auto">
+          <a:xfrm>
+            <a:off x="1054100" y="1600200"/>
+            <a:ext cx="7035800" cy="4013200"/>
+          </a:xfrm>
+          <a:prstGeom prst="rect">
+            <a:avLst/>
+          </a:prstGeom>
+          <a:noFill/>
+          <a:ln w="9525">
+            <a:noFill/>
+            <a:headEnd/>
+            <a:tailEnd/>
+          </a:ln>
+        </p:spPr>
+      </p:pic>
+      <p:sp>
+        <p:nvSpPr>
+          <p:cNvPr id="1" name="TextBox 3"/>
+          <p:cNvSpPr txBox="1"/>
+          <p:nvPr/>
+        </p:nvSpPr>
+        <p:spPr>
+          <a:xfrm>
+            <a:off x="457200" y="5613400"/>
+            <a:ext cx="8229600" cy="508000"/>
+          </a:xfrm>
+          <a:prstGeom prst="rect">
+            <a:avLst/>
+          </a:prstGeom>
+          <a:noFill/>
+        </p:spPr>
+        <p:txBody>
+          <a:bodyPr/>
+          <a:lstStyle/>
+          <a:p>
+            <a:pPr lvl="0" marL="0" indent="0" algn="ctr">
+              <a:buNone/>
+            </a:pPr>
+            <a:r>
+              <a:rPr/>
+              <a:t>Bigram</a:t>
+            </a:r>
+            <a:r>
+              <a:rPr/>
+              <a:t> </a:t>
+            </a:r>
+            <a:r>
+              <a:rPr/>
+              <a:t>Analysis</a:t>
+            </a:r>
+          </a:p>
+        </p:txBody>
+      </p:sp>
+    </p:spTree>
+  </p:cSld>
+</p:sld>
+</file>
+
+<file path=ppt/slides/slide32.xml><?xml version="1.0" encoding="utf-8"?>
+<p:sld xmlns:a="http://schemas.openxmlformats.org/drawingml/2006/main" xmlns:r="http://schemas.openxmlformats.org/officeDocument/2006/relationships" xmlns:p="http://schemas.openxmlformats.org/presentationml/2006/main">
+  <p:cSld>
+    <p:spTree>
+      <p:nvGrpSpPr>
+        <p:cNvPr id="1" name=""/>
+        <p:cNvGrpSpPr/>
+        <p:nvPr/>
+      </p:nvGrpSpPr>
+      <p:grpSpPr>
+        <a:xfrm>
+          <a:off x="0" y="0"/>
+          <a:ext cx="0" cy="0"/>
+          <a:chOff x="0" y="0"/>
+          <a:chExt cx="0" cy="0"/>
+        </a:xfrm>
+      </p:grpSpPr>
+      <p:sp>
+        <p:nvSpPr>
+          <p:cNvPr id="2" name="Title 1"/>
+          <p:cNvSpPr>
+            <a:spLocks noGrp="1"/>
+          </p:cNvSpPr>
+          <p:nvPr>
+            <p:ph type="title"/>
+          </p:nvPr>
+        </p:nvSpPr>
+        <p:spPr/>
+        <p:txBody>
+          <a:bodyPr/>
+          <a:lstStyle/>
+          <a:p>
+            <a:pPr lvl="0" marL="0" indent="0">
+              <a:buNone/>
+            </a:pPr>
+            <a:r>
+              <a:rPr/>
+              <a:t>On</a:t>
+            </a:r>
+            <a:r>
+              <a:rPr/>
+              <a:t> </a:t>
+            </a:r>
+            <a:r>
+              <a:rPr/>
+              <a:t>the</a:t>
+            </a:r>
+            <a:r>
+              <a:rPr/>
+              <a:t> </a:t>
+            </a:r>
+            <a:r>
+              <a:rPr/>
+              <a:t>rise:</a:t>
+            </a:r>
+            <a:r>
+              <a:rPr/>
+              <a:t> </a:t>
+            </a:r>
+            <a:r>
+              <a:rPr/>
+              <a:t>Linguistic</a:t>
+            </a:r>
+            <a:r>
+              <a:rPr/>
+              <a:t> </a:t>
+            </a:r>
+            <a:r>
+              <a:rPr/>
+              <a:t>Analysis</a:t>
+            </a:r>
+          </a:p>
+        </p:txBody>
+      </p:sp>
+      <p:pic>
+        <p:nvPicPr>
+          <p:cNvPr descr="img/chatterplot1.png" id="0" name="Picture 1"/>
+          <p:cNvPicPr>
+            <a:picLocks noGrp="1" noChangeAspect="1"/>
+          </p:cNvPicPr>
+          <p:nvPr/>
+        </p:nvPicPr>
+        <p:blipFill>
+          <a:blip r:embed="rId2"/>
+          <a:stretch>
+            <a:fillRect/>
+          </a:stretch>
+        </p:blipFill>
+        <p:spPr bwMode="auto">
+          <a:xfrm>
+            <a:off x="952500" y="1600200"/>
+            <a:ext cx="7239000" cy="4013200"/>
+          </a:xfrm>
+          <a:prstGeom prst="rect">
+            <a:avLst/>
+          </a:prstGeom>
+          <a:noFill/>
+          <a:ln w="9525">
+            <a:noFill/>
+            <a:headEnd/>
+            <a:tailEnd/>
+          </a:ln>
+        </p:spPr>
+      </p:pic>
+      <p:sp>
+        <p:nvSpPr>
+          <p:cNvPr id="1" name="TextBox 3"/>
+          <p:cNvSpPr txBox="1"/>
+          <p:nvPr/>
+        </p:nvSpPr>
+        <p:spPr>
+          <a:xfrm>
+            <a:off x="457200" y="5613400"/>
+            <a:ext cx="8229600" cy="508000"/>
+          </a:xfrm>
+          <a:prstGeom prst="rect">
+            <a:avLst/>
+          </a:prstGeom>
+          <a:noFill/>
+        </p:spPr>
+        <p:txBody>
+          <a:bodyPr/>
+          <a:lstStyle/>
+          <a:p>
+            <a:pPr lvl="0" marL="0" indent="0" algn="ctr">
+              <a:buNone/>
+            </a:pPr>
+            <a:r>
+              <a:rPr/>
+              <a:t>Sentiment</a:t>
+            </a:r>
+            <a:r>
+              <a:rPr/>
+              <a:t> </a:t>
+            </a:r>
+            <a:r>
+              <a:rPr/>
+              <a:t>Analysis</a:t>
+            </a:r>
+          </a:p>
+        </p:txBody>
+      </p:sp>
+    </p:spTree>
+  </p:cSld>
+</p:sld>
+</file>
+
+<file path=ppt/slides/slide33.xml><?xml version="1.0" encoding="utf-8"?>
+<p:sld xmlns:a="http://schemas.openxmlformats.org/drawingml/2006/main" xmlns:r="http://schemas.openxmlformats.org/officeDocument/2006/relationships" xmlns:p="http://schemas.openxmlformats.org/presentationml/2006/main">
+  <p:cSld>
+    <p:spTree>
+      <p:nvGrpSpPr>
+        <p:cNvPr id="1" name=""/>
+        <p:cNvGrpSpPr/>
+        <p:nvPr/>
+      </p:nvGrpSpPr>
+      <p:grpSpPr>
+        <a:xfrm>
+          <a:off x="0" y="0"/>
+          <a:ext cx="0" cy="0"/>
+          <a:chOff x="0" y="0"/>
+          <a:chExt cx="0" cy="0"/>
+        </a:xfrm>
+      </p:grpSpPr>
+      <p:sp>
+        <p:nvSpPr>
+          <p:cNvPr id="2" name="Title 1"/>
+          <p:cNvSpPr>
+            <a:spLocks noGrp="1"/>
+          </p:cNvSpPr>
+          <p:nvPr>
+            <p:ph type="title"/>
+          </p:nvPr>
+        </p:nvSpPr>
+        <p:spPr/>
+        <p:txBody>
+          <a:bodyPr/>
+          <a:lstStyle/>
+          <a:p>
+            <a:pPr lvl="0" marL="0" indent="0">
+              <a:buNone/>
+            </a:pPr>
+            <a:r>
+              <a:rPr/>
+              <a:t>On</a:t>
+            </a:r>
+            <a:r>
+              <a:rPr/>
+              <a:t> </a:t>
+            </a:r>
+            <a:r>
+              <a:rPr/>
+              <a:t>the</a:t>
+            </a:r>
+            <a:r>
+              <a:rPr/>
+              <a:t> </a:t>
+            </a:r>
+            <a:r>
+              <a:rPr/>
+              <a:t>rise:</a:t>
+            </a:r>
+            <a:r>
+              <a:rPr/>
+              <a:t> </a:t>
+            </a:r>
+            <a:r>
+              <a:rPr/>
+              <a:t>Linguistic</a:t>
+            </a:r>
+            <a:r>
+              <a:rPr/>
+              <a:t> </a:t>
+            </a:r>
+            <a:r>
+              <a:rPr/>
+              <a:t>Analysis</a:t>
+            </a:r>
+          </a:p>
+        </p:txBody>
+      </p:sp>
+      <p:pic>
+        <p:nvPicPr>
+          <p:cNvPr descr="img/timeline_wordcloud.png" id="0" name="Picture 1"/>
+          <p:cNvPicPr>
+            <a:picLocks noGrp="1" noChangeAspect="1"/>
+          </p:cNvPicPr>
+          <p:nvPr/>
+        </p:nvPicPr>
+        <p:blipFill>
+          <a:blip r:embed="rId2"/>
+          <a:stretch>
+            <a:fillRect/>
+          </a:stretch>
+        </p:blipFill>
+        <p:spPr bwMode="auto">
+          <a:xfrm>
+            <a:off x="457200" y="2159000"/>
+            <a:ext cx="8229600" cy="2895600"/>
+          </a:xfrm>
+          <a:prstGeom prst="rect">
+            <a:avLst/>
+          </a:prstGeom>
+          <a:noFill/>
+          <a:ln w="9525">
+            <a:noFill/>
+            <a:headEnd/>
+            <a:tailEnd/>
+          </a:ln>
+        </p:spPr>
+      </p:pic>
+      <p:sp>
+        <p:nvSpPr>
+          <p:cNvPr id="1" name="TextBox 3"/>
+          <p:cNvSpPr txBox="1"/>
+          <p:nvPr/>
+        </p:nvSpPr>
+        <p:spPr>
+          <a:xfrm>
+            <a:off x="457200" y="5613400"/>
+            <a:ext cx="8229600" cy="508000"/>
+          </a:xfrm>
+          <a:prstGeom prst="rect">
+            <a:avLst/>
+          </a:prstGeom>
+          <a:noFill/>
+        </p:spPr>
+        <p:txBody>
+          <a:bodyPr/>
+          <a:lstStyle/>
+          <a:p>
+            <a:pPr lvl="0" marL="0" indent="0" algn="ctr">
+              <a:buNone/>
+            </a:pPr>
+            <a:r>
+              <a:rPr/>
+              <a:t>Topic</a:t>
+            </a:r>
+            <a:r>
+              <a:rPr/>
+              <a:t> </a:t>
+            </a:r>
+            <a:r>
+              <a:rPr/>
+              <a:t>Modeling</a:t>
+            </a:r>
+          </a:p>
+        </p:txBody>
+      </p:sp>
+    </p:spTree>
+  </p:cSld>
+</p:sld>
+</file>
+
+<file path=ppt/slides/slide34.xml><?xml version="1.0" encoding="utf-8"?>
+<p:sld xmlns:a="http://schemas.openxmlformats.org/drawingml/2006/main" xmlns:r="http://schemas.openxmlformats.org/officeDocument/2006/relationships" xmlns:p="http://schemas.openxmlformats.org/presentationml/2006/main">
+  <p:cSld>
+    <p:spTree>
+      <p:nvGrpSpPr>
+        <p:cNvPr id="1" name=""/>
+        <p:cNvGrpSpPr/>
+        <p:nvPr/>
+      </p:nvGrpSpPr>
+      <p:grpSpPr>
+        <a:xfrm>
+          <a:off x="0" y="0"/>
+          <a:ext cx="0" cy="0"/>
+          <a:chOff x="0" y="0"/>
+          <a:chExt cx="0" cy="0"/>
+        </a:xfrm>
+      </p:grpSpPr>
+      <p:sp>
+        <p:nvSpPr>
+          <p:cNvPr id="2" name="Title 1"/>
+          <p:cNvSpPr>
+            <a:spLocks noGrp="1"/>
+          </p:cNvSpPr>
+          <p:nvPr>
+            <p:ph type="title"/>
+          </p:nvPr>
+        </p:nvSpPr>
+        <p:spPr/>
+        <p:txBody>
+          <a:bodyPr/>
+          <a:lstStyle/>
+          <a:p>
+            <a:pPr lvl="0" marL="0" indent="0">
+              <a:buNone/>
+            </a:pPr>
+            <a:r>
+              <a:rPr/>
+              <a:t>On</a:t>
+            </a:r>
+            <a:r>
+              <a:rPr/>
+              <a:t> </a:t>
+            </a:r>
+            <a:r>
+              <a:rPr/>
+              <a:t>the</a:t>
+            </a:r>
+            <a:r>
+              <a:rPr/>
+              <a:t> </a:t>
+            </a:r>
+            <a:r>
+              <a:rPr/>
+              <a:t>rise:</a:t>
+            </a:r>
+            <a:r>
+              <a:rPr/>
+              <a:t> </a:t>
+            </a:r>
+            <a:r>
+              <a:rPr/>
+              <a:t>Linguistic</a:t>
+            </a:r>
+            <a:r>
+              <a:rPr/>
+              <a:t> </a:t>
+            </a:r>
+            <a:r>
+              <a:rPr/>
+              <a:t>Analysis</a:t>
+            </a:r>
+          </a:p>
+        </p:txBody>
+      </p:sp>
+      <p:pic>
+        <p:nvPicPr>
+          <p:cNvPr descr="img/multidimensional_sentiment_analysis.png" id="0" name="Picture 1"/>
+          <p:cNvPicPr>
+            <a:picLocks noGrp="1" noChangeAspect="1"/>
+          </p:cNvPicPr>
+          <p:nvPr/>
+        </p:nvPicPr>
+        <p:blipFill>
+          <a:blip r:embed="rId2"/>
+          <a:stretch>
+            <a:fillRect/>
+          </a:stretch>
+        </p:blipFill>
+        <p:spPr bwMode="auto">
+          <a:xfrm>
+            <a:off x="952500" y="1600200"/>
+            <a:ext cx="7239000" cy="4013200"/>
+          </a:xfrm>
+          <a:prstGeom prst="rect">
+            <a:avLst/>
+          </a:prstGeom>
+          <a:noFill/>
+          <a:ln w="9525">
+            <a:noFill/>
+            <a:headEnd/>
+            <a:tailEnd/>
+          </a:ln>
+        </p:spPr>
+      </p:pic>
+      <p:sp>
+        <p:nvSpPr>
+          <p:cNvPr id="1" name="TextBox 3"/>
+          <p:cNvSpPr txBox="1"/>
+          <p:nvPr/>
+        </p:nvSpPr>
+        <p:spPr>
+          <a:xfrm>
+            <a:off x="457200" y="5613400"/>
+            <a:ext cx="8229600" cy="508000"/>
+          </a:xfrm>
+          <a:prstGeom prst="rect">
+            <a:avLst/>
+          </a:prstGeom>
+          <a:noFill/>
+        </p:spPr>
+        <p:txBody>
+          <a:bodyPr/>
+          <a:lstStyle/>
+          <a:p>
+            <a:pPr lvl="0" marL="0" indent="0" algn="ctr">
+              <a:buNone/>
+            </a:pPr>
+            <a:r>
+              <a:rPr/>
+              <a:t>Multidimensional</a:t>
+            </a:r>
+            <a:r>
+              <a:rPr/>
+              <a:t> </a:t>
+            </a:r>
+            <a:r>
+              <a:rPr/>
+              <a:t>Sentiment</a:t>
+            </a:r>
+            <a:r>
+              <a:rPr/>
+              <a:t> </a:t>
+            </a:r>
+            <a:r>
+              <a:rPr/>
+              <a:t>Analysis</a:t>
+            </a:r>
+          </a:p>
+        </p:txBody>
+      </p:sp>
+    </p:spTree>
+  </p:cSld>
+</p:sld>
+</file>
+
+<file path=ppt/slides/slide35.xml><?xml version="1.0" encoding="utf-8"?>
+<p:sld xmlns:a="http://schemas.openxmlformats.org/drawingml/2006/main" xmlns:r="http://schemas.openxmlformats.org/officeDocument/2006/relationships" xmlns:p="http://schemas.openxmlformats.org/presentationml/2006/main">
+  <p:cSld>
+    <p:spTree>
+      <p:nvGrpSpPr>
+        <p:cNvPr id="1" name=""/>
+        <p:cNvGrpSpPr/>
+        <p:nvPr/>
+      </p:nvGrpSpPr>
+      <p:grpSpPr>
+        <a:xfrm>
+          <a:off x="0" y="0"/>
+          <a:ext cx="0" cy="0"/>
+          <a:chOff x="0" y="0"/>
+          <a:chExt cx="0" cy="0"/>
+        </a:xfrm>
+      </p:grpSpPr>
+      <p:sp>
+        <p:nvSpPr>
+          <p:cNvPr id="2" name="Title 1"/>
+          <p:cNvSpPr>
+            <a:spLocks noGrp="1"/>
+          </p:cNvSpPr>
+          <p:nvPr>
+            <p:ph type="title"/>
+          </p:nvPr>
+        </p:nvSpPr>
+        <p:spPr/>
+        <p:txBody>
+          <a:bodyPr/>
+          <a:lstStyle/>
+          <a:p>
+            <a:pPr lvl="0" marL="0" indent="0">
+              <a:buNone/>
+            </a:pPr>
+            <a:r>
+              <a:rPr/>
+              <a:t>LMS</a:t>
+            </a:r>
+            <a:r>
+              <a:rPr/>
+              <a:t> </a:t>
+            </a:r>
+            <a:r>
+              <a:rPr/>
+              <a:t>Data</a:t>
+            </a:r>
+            <a:r>
+              <a:rPr/>
+              <a:t> </a:t>
+            </a:r>
+            <a:r>
+              <a:rPr/>
+              <a:t>Standards</a:t>
+            </a:r>
+            <a:r>
+              <a:rPr/>
+              <a:t> </a:t>
+            </a:r>
+            <a:r>
+              <a:rPr/>
+              <a:t>Lagging</a:t>
             </a:r>
           </a:p>
         </p:txBody>
@@ -5619,74 +6487,555 @@
           <a:bodyPr/>
           <a:lstStyle/>
           <a:p>
+            <a:pPr lvl="1"/>
+            <a:r>
+              <a:rPr/>
+              <a:t>Caliper data collected on e.g. Discussion Posts </a:t>
+            </a:r>
+            <a:r>
+              <a:rPr i="1"/>
+              <a:t>do not</a:t>
+            </a:r>
+            <a:r>
+              <a:rPr/>
+              <a:t> include the actual text.</a:t>
+            </a:r>
+          </a:p>
+          <a:p>
+            <a:pPr lvl="1"/>
+            <a:r>
+              <a:rPr/>
+              <a:t>Closest “Linguistic” measure is </a:t>
+            </a:r>
+            <a:r>
+              <a:rPr i="1"/>
+              <a:t>post-length</a:t>
+            </a:r>
+            <a:r>
+              <a:rPr/>
+              <a:t>.</a:t>
+            </a:r>
+          </a:p>
+          <a:p>
+            <a:pPr lvl="1"/>
+            <a:r>
+              <a:rPr/>
+              <a:t>This effectively eliminates 85% of the data (Dietrichson (2013))</a:t>
+            </a:r>
+          </a:p>
+        </p:txBody>
+      </p:sp>
+    </p:spTree>
+  </p:cSld>
+</p:sld>
+</file>
+
+<file path=ppt/slides/slide36.xml><?xml version="1.0" encoding="utf-8"?>
+<p:sld xmlns:a="http://schemas.openxmlformats.org/drawingml/2006/main" xmlns:r="http://schemas.openxmlformats.org/officeDocument/2006/relationships" xmlns:p="http://schemas.openxmlformats.org/presentationml/2006/main">
+  <p:cSld>
+    <p:spTree>
+      <p:nvGrpSpPr>
+        <p:cNvPr id="1" name=""/>
+        <p:cNvGrpSpPr/>
+        <p:nvPr/>
+      </p:nvGrpSpPr>
+      <p:grpSpPr>
+        <a:xfrm>
+          <a:off x="0" y="0"/>
+          <a:ext cx="0" cy="0"/>
+          <a:chOff x="0" y="0"/>
+          <a:chExt cx="0" cy="0"/>
+        </a:xfrm>
+      </p:grpSpPr>
+      <p:sp>
+        <p:nvSpPr>
+          <p:cNvPr id="2" name="Title 1"/>
+          <p:cNvSpPr>
+            <a:spLocks noGrp="1"/>
+          </p:cNvSpPr>
+          <p:nvPr>
+            <p:ph type="title"/>
+          </p:nvPr>
+        </p:nvSpPr>
+        <p:spPr/>
+        <p:txBody>
+          <a:bodyPr/>
+          <a:lstStyle/>
+          <a:p>
             <a:pPr lvl="0" marL="0" indent="0">
               <a:buNone/>
             </a:pPr>
             <a:r>
               <a:rPr/>
-              <a:t>Gašević, Dragan, Shane Dawson, Tim Rogers, and Danijela Gasevic. 2016. “Learning Analytics Should Not Promote One Size Fits All: The Effects of Instructional Conditions in Predicting Academic Success.” </a:t>
+              <a:t>Example:</a:t>
+            </a:r>
+            <a:r>
+              <a:rPr/>
+              <a:t> </a:t>
+            </a:r>
+            <a:r>
+              <a:rPr/>
+              <a:t>FRES</a:t>
+            </a:r>
+          </a:p>
+        </p:txBody>
+      </p:sp>
+      <p:pic>
+        <p:nvPicPr>
+          <p:cNvPr descr="img/FRES.png" id="0" name="Picture 1"/>
+          <p:cNvPicPr>
+            <a:picLocks noGrp="1" noChangeAspect="1"/>
+          </p:cNvPicPr>
+          <p:nvPr/>
+        </p:nvPicPr>
+        <p:blipFill>
+          <a:blip r:embed="rId2"/>
+          <a:stretch>
+            <a:fillRect/>
+          </a:stretch>
+        </p:blipFill>
+        <p:spPr bwMode="auto">
+          <a:xfrm>
+            <a:off x="1054100" y="1600200"/>
+            <a:ext cx="7035800" cy="4013200"/>
+          </a:xfrm>
+          <a:prstGeom prst="rect">
+            <a:avLst/>
+          </a:prstGeom>
+          <a:noFill/>
+          <a:ln w="9525">
+            <a:noFill/>
+            <a:headEnd/>
+            <a:tailEnd/>
+          </a:ln>
+        </p:spPr>
+      </p:pic>
+      <p:sp>
+        <p:nvSpPr>
+          <p:cNvPr id="1" name="TextBox 3"/>
+          <p:cNvSpPr txBox="1"/>
+          <p:nvPr/>
+        </p:nvSpPr>
+        <p:spPr>
+          <a:xfrm>
+            <a:off x="457200" y="5613400"/>
+            <a:ext cx="8229600" cy="508000"/>
+          </a:xfrm>
+          <a:prstGeom prst="rect">
+            <a:avLst/>
+          </a:prstGeom>
+          <a:noFill/>
+        </p:spPr>
+        <p:txBody>
+          <a:bodyPr/>
+          <a:lstStyle/>
+          <a:p>
+            <a:pPr lvl="0" marL="0" indent="0" algn="ctr">
+              <a:buNone/>
+            </a:pPr>
+            <a:r>
+              <a:rPr/>
+              <a:t>Fleach</a:t>
+            </a:r>
+            <a:r>
+              <a:rPr/>
+              <a:t> </a:t>
+            </a:r>
+            <a:r>
+              <a:rPr/>
+              <a:t>Reading</a:t>
+            </a:r>
+            <a:r>
+              <a:rPr/>
+              <a:t> </a:t>
+            </a:r>
+            <a:r>
+              <a:rPr/>
+              <a:t>Ease</a:t>
+            </a:r>
+            <a:r>
+              <a:rPr/>
+              <a:t> </a:t>
+            </a:r>
+            <a:r>
+              <a:rPr/>
+              <a:t>Score</a:t>
+            </a:r>
+          </a:p>
+        </p:txBody>
+      </p:sp>
+    </p:spTree>
+  </p:cSld>
+</p:sld>
+</file>
+
+<file path=ppt/slides/slide37.xml><?xml version="1.0" encoding="utf-8"?>
+<p:sld xmlns:a="http://schemas.openxmlformats.org/drawingml/2006/main" xmlns:r="http://schemas.openxmlformats.org/officeDocument/2006/relationships" xmlns:p="http://schemas.openxmlformats.org/presentationml/2006/main">
+  <p:cSld>
+    <p:spTree>
+      <p:nvGrpSpPr>
+        <p:cNvPr id="1" name=""/>
+        <p:cNvGrpSpPr/>
+        <p:nvPr/>
+      </p:nvGrpSpPr>
+      <p:grpSpPr>
+        <a:xfrm>
+          <a:off x="0" y="0"/>
+          <a:ext cx="0" cy="0"/>
+          <a:chOff x="0" y="0"/>
+          <a:chExt cx="0" cy="0"/>
+        </a:xfrm>
+      </p:grpSpPr>
+      <p:sp>
+        <p:nvSpPr>
+          <p:cNvPr id="2" name="Title 1"/>
+          <p:cNvSpPr>
+            <a:spLocks noGrp="1"/>
+          </p:cNvSpPr>
+          <p:nvPr>
+            <p:ph type="title"/>
+          </p:nvPr>
+        </p:nvSpPr>
+        <p:spPr/>
+        <p:txBody>
+          <a:bodyPr/>
+          <a:lstStyle/>
+          <a:p>
+            <a:pPr lvl="0" marL="0" indent="0">
+              <a:buNone/>
+            </a:pPr>
+            <a:r>
+              <a:rPr/>
+              <a:t>Example:</a:t>
+            </a:r>
+            <a:r>
+              <a:rPr/>
+              <a:t> </a:t>
+            </a:r>
+            <a:r>
+              <a:rPr/>
+              <a:t>Post-length</a:t>
+            </a:r>
+            <a:r>
+              <a:rPr/>
+              <a:t> </a:t>
+            </a:r>
+            <a:r>
+              <a:rPr/>
+              <a:t>vs. FRES</a:t>
+            </a:r>
+          </a:p>
+        </p:txBody>
+      </p:sp>
+      <p:sp>
+        <p:nvSpPr>
+          <p:cNvPr id="3" name="Content Placeholder 2"/>
+          <p:cNvSpPr>
+            <a:spLocks noGrp="1"/>
+          </p:cNvSpPr>
+          <p:nvPr>
+            <p:ph idx="1"/>
+          </p:nvPr>
+        </p:nvSpPr>
+        <p:spPr/>
+        <p:txBody>
+          <a:bodyPr/>
+          <a:lstStyle/>
+          <a:p>
+            <a:pPr lvl="1"/>
+            <a:r>
+              <a:rPr/>
+              <a:t>FRES r-squared –&gt; .3</a:t>
+            </a:r>
+          </a:p>
+          <a:p>
+            <a:pPr lvl="1"/>
+            <a:r>
+              <a:rPr/>
+              <a:t>Post-length r-squared –&gt; .005</a:t>
+            </a:r>
+          </a:p>
+        </p:txBody>
+      </p:sp>
+    </p:spTree>
+  </p:cSld>
+</p:sld>
+</file>
+
+<file path=ppt/slides/slide38.xml><?xml version="1.0" encoding="utf-8"?>
+<p:sld xmlns:a="http://schemas.openxmlformats.org/drawingml/2006/main" xmlns:r="http://schemas.openxmlformats.org/officeDocument/2006/relationships" xmlns:p="http://schemas.openxmlformats.org/presentationml/2006/main">
+  <p:cSld>
+    <p:spTree>
+      <p:nvGrpSpPr>
+        <p:cNvPr id="1" name=""/>
+        <p:cNvGrpSpPr/>
+        <p:nvPr/>
+      </p:nvGrpSpPr>
+      <p:grpSpPr>
+        <a:xfrm>
+          <a:off x="0" y="0"/>
+          <a:ext cx="0" cy="0"/>
+          <a:chOff x="0" y="0"/>
+          <a:chExt cx="0" cy="0"/>
+        </a:xfrm>
+      </p:grpSpPr>
+      <p:sp>
+        <p:nvSpPr>
+          <p:cNvPr id="2" name="Title 1"/>
+          <p:cNvSpPr>
+            <a:spLocks noGrp="1"/>
+          </p:cNvSpPr>
+          <p:nvPr>
+            <p:ph type="title"/>
+          </p:nvPr>
+        </p:nvSpPr>
+        <p:spPr/>
+        <p:txBody>
+          <a:bodyPr/>
+          <a:lstStyle/>
+          <a:p>
+            <a:pPr lvl="0" marL="0" indent="0">
+              <a:buNone/>
+            </a:pPr>
+            <a:r>
+              <a:rPr/>
+              <a:t>Example:</a:t>
+            </a:r>
+            <a:r>
+              <a:rPr/>
+              <a:t> </a:t>
+            </a:r>
+            <a:r>
+              <a:rPr/>
+              <a:t>Post-length</a:t>
+            </a:r>
+            <a:r>
+              <a:rPr/>
+              <a:t> </a:t>
+            </a:r>
+            <a:r>
+              <a:rPr/>
+              <a:t>vs. other</a:t>
+            </a:r>
+            <a:r>
+              <a:rPr/>
+              <a:t> </a:t>
+            </a:r>
+            <a:r>
+              <a:rPr/>
+              <a:t>Metrics</a:t>
+            </a:r>
+          </a:p>
+        </p:txBody>
+      </p:sp>
+      <p:sp>
+        <p:nvSpPr>
+          <p:cNvPr id="3" name="Content Placeholder 2"/>
+          <p:cNvSpPr>
+            <a:spLocks noGrp="1"/>
+          </p:cNvSpPr>
+          <p:nvPr>
+            <p:ph idx="1"/>
+          </p:nvPr>
+        </p:nvSpPr>
+        <p:spPr/>
+        <p:txBody>
+          <a:bodyPr/>
+          <a:lstStyle/>
+          <a:p>
+            <a:pPr lvl="0" marL="0" indent="0">
+              <a:buNone/>
+            </a:pPr>
+            <a:r>
+              <a:rPr/>
+              <a:t>Beating Post-length are:</a:t>
+            </a:r>
+          </a:p>
+          <a:p>
+            <a:pPr lvl="1"/>
+            <a:r>
+              <a:rPr/>
+              <a:t>Word-count,</a:t>
+            </a:r>
+          </a:p>
+          <a:p>
+            <a:pPr lvl="1"/>
+            <a:r>
+              <a:rPr/>
+              <a:t>TTR (lexical density)</a:t>
+            </a:r>
+          </a:p>
+          <a:p>
+            <a:pPr lvl="1"/>
+            <a:r>
+              <a:rPr/>
+              <a:t>CTC</a:t>
+            </a:r>
+          </a:p>
+          <a:p>
+            <a:pPr lvl="1"/>
+            <a:r>
+              <a:rPr/>
+              <a:t>even </a:t>
             </a:r>
             <a:r>
               <a:rPr i="1"/>
-              <a:t>The Internet and Higher Education</a:t>
-            </a:r>
-            <a:r>
-              <a:rPr/>
-              <a:t> 28: 68–84. </a:t>
-            </a:r>
-            <a:r>
-              <a:rPr>
-                <a:hlinkClick r:id="rId2"/>
-              </a:rPr>
-              <a:t>https://doi.org/https://doi.org/10.1016/j.iheduc.2015.10.002</a:t>
-            </a:r>
-            <a:r>
-              <a:rPr/>
-              <a:t>.</a:t>
-            </a:r>
-          </a:p>
+              <a:t>MSS</a:t>
+            </a:r>
+          </a:p>
+        </p:txBody>
+      </p:sp>
+    </p:spTree>
+  </p:cSld>
+</p:sld>
+</file>
+
+<file path=ppt/slides/slide39.xml><?xml version="1.0" encoding="utf-8"?>
+<p:sld xmlns:a="http://schemas.openxmlformats.org/drawingml/2006/main" xmlns:r="http://schemas.openxmlformats.org/officeDocument/2006/relationships" xmlns:p="http://schemas.openxmlformats.org/presentationml/2006/main">
+  <p:cSld>
+    <p:spTree>
+      <p:nvGrpSpPr>
+        <p:cNvPr id="1" name=""/>
+        <p:cNvGrpSpPr/>
+        <p:nvPr/>
+      </p:nvGrpSpPr>
+      <p:grpSpPr>
+        <a:xfrm>
+          <a:off x="0" y="0"/>
+          <a:ext cx="0" cy="0"/>
+          <a:chOff x="0" y="0"/>
+          <a:chExt cx="0" cy="0"/>
+        </a:xfrm>
+      </p:grpSpPr>
+      <p:sp>
+        <p:nvSpPr>
+          <p:cNvPr id="2" name="Title 1"/>
+          <p:cNvSpPr>
+            <a:spLocks noGrp="1"/>
+          </p:cNvSpPr>
+          <p:nvPr>
+            <p:ph type="title"/>
+          </p:nvPr>
+        </p:nvSpPr>
+        <p:spPr/>
+        <p:txBody>
+          <a:bodyPr/>
+          <a:lstStyle/>
           <a:p>
             <a:pPr lvl="0" marL="0" indent="0">
               <a:buNone/>
             </a:pPr>
             <a:r>
               <a:rPr/>
-              <a:t>Viberg, Olga, Mathias Hatakka, Olof Bälter, and Anna Mavroudi. 2018. “The Current Landscape of Learning Analytics in Higher Education.” </a:t>
-            </a:r>
-            <a:r>
-              <a:rPr i="1"/>
-              <a:t>Computers in Human Behavior</a:t>
-            </a:r>
-            <a:r>
-              <a:rPr/>
-              <a:t> 89 (July). </a:t>
-            </a:r>
-            <a:r>
-              <a:rPr>
-                <a:hlinkClick r:id="rId3"/>
-              </a:rPr>
-              <a:t>https://doi.org/10.1016/j.chb.2018.07.027</a:t>
-            </a:r>
-            <a:r>
-              <a:rPr/>
-              <a:t>.</a:t>
-            </a:r>
-          </a:p>
-          <a:p>
-            <a:pPr lvl="0" marL="0" indent="0">
+              <a:t>On</a:t>
+            </a:r>
+            <a:r>
+              <a:rPr/>
+              <a:t> </a:t>
+            </a:r>
+            <a:r>
+              <a:rPr/>
+              <a:t>the</a:t>
+            </a:r>
+            <a:r>
+              <a:rPr/>
+              <a:t> </a:t>
+            </a:r>
+            <a:r>
+              <a:rPr/>
+              <a:t>rise:</a:t>
+            </a:r>
+            <a:r>
+              <a:rPr/>
+              <a:t> </a:t>
+            </a:r>
+            <a:r>
+              <a:rPr/>
+              <a:t>Learning</a:t>
+            </a:r>
+            <a:r>
+              <a:rPr/>
+              <a:t> </a:t>
+            </a:r>
+            <a:r>
+              <a:rPr/>
+              <a:t>Path</a:t>
+            </a:r>
+            <a:r>
+              <a:rPr/>
+              <a:t> </a:t>
+            </a:r>
+            <a:r>
+              <a:rPr/>
+              <a:t>Analysis</a:t>
+            </a:r>
+          </a:p>
+        </p:txBody>
+      </p:sp>
+      <p:pic>
+        <p:nvPicPr>
+          <p:cNvPr descr="img/time_line_courses.png" id="0" name="Picture 1"/>
+          <p:cNvPicPr>
+            <a:picLocks noGrp="1" noChangeAspect="1"/>
+          </p:cNvPicPr>
+          <p:nvPr/>
+        </p:nvPicPr>
+        <p:blipFill>
+          <a:blip r:embed="rId2"/>
+          <a:stretch>
+            <a:fillRect/>
+          </a:stretch>
+        </p:blipFill>
+        <p:spPr bwMode="auto">
+          <a:xfrm>
+            <a:off x="457200" y="1714500"/>
+            <a:ext cx="8229600" cy="3771900"/>
+          </a:xfrm>
+          <a:prstGeom prst="rect">
+            <a:avLst/>
+          </a:prstGeom>
+          <a:noFill/>
+          <a:ln w="9525">
+            <a:noFill/>
+            <a:headEnd/>
+            <a:tailEnd/>
+          </a:ln>
+        </p:spPr>
+      </p:pic>
+      <p:sp>
+        <p:nvSpPr>
+          <p:cNvPr id="1" name="TextBox 3"/>
+          <p:cNvSpPr txBox="1"/>
+          <p:nvPr/>
+        </p:nvSpPr>
+        <p:spPr>
+          <a:xfrm>
+            <a:off x="457200" y="5613400"/>
+            <a:ext cx="8229600" cy="508000"/>
+          </a:xfrm>
+          <a:prstGeom prst="rect">
+            <a:avLst/>
+          </a:prstGeom>
+          <a:noFill/>
+        </p:spPr>
+        <p:txBody>
+          <a:bodyPr/>
+          <a:lstStyle/>
+          <a:p>
+            <a:pPr lvl="0" marL="0" indent="0" algn="ctr">
               <a:buNone/>
             </a:pPr>
             <a:r>
               <a:rPr/>
-              <a:t>Vieira, Camilo, Paul Parsons, and Vetria Byrd. 2018. “Visual Learning Analytics of Educational Data: A Systematic Literature Review and Research Agenda.” </a:t>
-            </a:r>
-            <a:r>
-              <a:rPr i="1"/>
-              <a:t>Computers &amp; Education</a:t>
-            </a:r>
-            <a:r>
-              <a:rPr/>
-              <a:t> 122: 119–35.</a:t>
+              <a:t>Course</a:t>
+            </a:r>
+            <a:r>
+              <a:rPr/>
+              <a:t> </a:t>
+            </a:r>
+            <a:r>
+              <a:rPr/>
+              <a:t>Timeline</a:t>
             </a:r>
           </a:p>
         </p:txBody>
@@ -5827,6 +7176,566 @@
 </p:sld>
 </file>
 
+<file path=ppt/slides/slide40.xml><?xml version="1.0" encoding="utf-8"?>
+<p:sld xmlns:a="http://schemas.openxmlformats.org/drawingml/2006/main" xmlns:r="http://schemas.openxmlformats.org/officeDocument/2006/relationships" xmlns:p="http://schemas.openxmlformats.org/presentationml/2006/main">
+  <p:cSld>
+    <p:spTree>
+      <p:nvGrpSpPr>
+        <p:cNvPr id="1" name=""/>
+        <p:cNvGrpSpPr/>
+        <p:nvPr/>
+      </p:nvGrpSpPr>
+      <p:grpSpPr>
+        <a:xfrm>
+          <a:off x="0" y="0"/>
+          <a:ext cx="0" cy="0"/>
+          <a:chOff x="0" y="0"/>
+          <a:chExt cx="0" cy="0"/>
+        </a:xfrm>
+      </p:grpSpPr>
+      <p:sp>
+        <p:nvSpPr>
+          <p:cNvPr id="2" name="Title 1"/>
+          <p:cNvSpPr>
+            <a:spLocks noGrp="1"/>
+          </p:cNvSpPr>
+          <p:nvPr>
+            <p:ph type="title"/>
+          </p:nvPr>
+        </p:nvSpPr>
+        <p:spPr/>
+        <p:txBody>
+          <a:bodyPr/>
+          <a:lstStyle/>
+          <a:p>
+            <a:pPr lvl="0" marL="0" indent="0">
+              <a:buNone/>
+            </a:pPr>
+            <a:r>
+              <a:rPr/>
+              <a:t>On</a:t>
+            </a:r>
+            <a:r>
+              <a:rPr/>
+              <a:t> </a:t>
+            </a:r>
+            <a:r>
+              <a:rPr/>
+              <a:t>the</a:t>
+            </a:r>
+            <a:r>
+              <a:rPr/>
+              <a:t> </a:t>
+            </a:r>
+            <a:r>
+              <a:rPr/>
+              <a:t>rise:</a:t>
+            </a:r>
+            <a:r>
+              <a:rPr/>
+              <a:t> </a:t>
+            </a:r>
+            <a:r>
+              <a:rPr/>
+              <a:t>Learning</a:t>
+            </a:r>
+            <a:r>
+              <a:rPr/>
+              <a:t> </a:t>
+            </a:r>
+            <a:r>
+              <a:rPr/>
+              <a:t>Path</a:t>
+            </a:r>
+            <a:r>
+              <a:rPr/>
+              <a:t> </a:t>
+            </a:r>
+            <a:r>
+              <a:rPr/>
+              <a:t>Analysis</a:t>
+            </a:r>
+          </a:p>
+        </p:txBody>
+      </p:sp>
+      <p:pic>
+        <p:nvPicPr>
+          <p:cNvPr descr="img/recommended_courses.png" id="0" name="Picture 1"/>
+          <p:cNvPicPr>
+            <a:picLocks noGrp="1" noChangeAspect="1"/>
+          </p:cNvPicPr>
+          <p:nvPr/>
+        </p:nvPicPr>
+        <p:blipFill>
+          <a:blip r:embed="rId2"/>
+          <a:stretch>
+            <a:fillRect/>
+          </a:stretch>
+        </p:blipFill>
+        <p:spPr bwMode="auto">
+          <a:xfrm>
+            <a:off x="558800" y="1600200"/>
+            <a:ext cx="8039100" cy="4013200"/>
+          </a:xfrm>
+          <a:prstGeom prst="rect">
+            <a:avLst/>
+          </a:prstGeom>
+          <a:noFill/>
+          <a:ln w="9525">
+            <a:noFill/>
+            <a:headEnd/>
+            <a:tailEnd/>
+          </a:ln>
+        </p:spPr>
+      </p:pic>
+      <p:sp>
+        <p:nvSpPr>
+          <p:cNvPr id="1" name="TextBox 3"/>
+          <p:cNvSpPr txBox="1"/>
+          <p:nvPr/>
+        </p:nvSpPr>
+        <p:spPr>
+          <a:xfrm>
+            <a:off x="457200" y="5613400"/>
+            <a:ext cx="8229600" cy="508000"/>
+          </a:xfrm>
+          <a:prstGeom prst="rect">
+            <a:avLst/>
+          </a:prstGeom>
+          <a:noFill/>
+        </p:spPr>
+        <p:txBody>
+          <a:bodyPr/>
+          <a:lstStyle/>
+          <a:p>
+            <a:pPr lvl="0" marL="0" indent="0" algn="ctr">
+              <a:buNone/>
+            </a:pPr>
+            <a:r>
+              <a:rPr/>
+              <a:t>Course</a:t>
+            </a:r>
+            <a:r>
+              <a:rPr/>
+              <a:t> </a:t>
+            </a:r>
+            <a:r>
+              <a:rPr/>
+              <a:t>Recommendations</a:t>
+            </a:r>
+          </a:p>
+        </p:txBody>
+      </p:sp>
+    </p:spTree>
+  </p:cSld>
+</p:sld>
+</file>
+
+<file path=ppt/slides/slide41.xml><?xml version="1.0" encoding="utf-8"?>
+<p:sld xmlns:a="http://schemas.openxmlformats.org/drawingml/2006/main" xmlns:r="http://schemas.openxmlformats.org/officeDocument/2006/relationships" xmlns:p="http://schemas.openxmlformats.org/presentationml/2006/main">
+  <p:cSld>
+    <p:spTree>
+      <p:nvGrpSpPr>
+        <p:cNvPr id="1" name=""/>
+        <p:cNvGrpSpPr/>
+        <p:nvPr/>
+      </p:nvGrpSpPr>
+      <p:grpSpPr>
+        <a:xfrm>
+          <a:off x="0" y="0"/>
+          <a:ext cx="0" cy="0"/>
+          <a:chOff x="0" y="0"/>
+          <a:chExt cx="0" cy="0"/>
+        </a:xfrm>
+      </p:grpSpPr>
+      <p:sp>
+        <p:nvSpPr>
+          <p:cNvPr id="2" name="Title 1"/>
+          <p:cNvSpPr>
+            <a:spLocks noGrp="1"/>
+          </p:cNvSpPr>
+          <p:nvPr>
+            <p:ph type="title"/>
+          </p:nvPr>
+        </p:nvSpPr>
+        <p:spPr/>
+        <p:txBody>
+          <a:bodyPr/>
+          <a:lstStyle/>
+          <a:p>
+            <a:pPr lvl="0" marL="0" indent="0">
+              <a:buNone/>
+            </a:pPr>
+            <a:r>
+              <a:rPr/>
+              <a:t>On</a:t>
+            </a:r>
+            <a:r>
+              <a:rPr/>
+              <a:t> </a:t>
+            </a:r>
+            <a:r>
+              <a:rPr/>
+              <a:t>the</a:t>
+            </a:r>
+            <a:r>
+              <a:rPr/>
+              <a:t> </a:t>
+            </a:r>
+            <a:r>
+              <a:rPr/>
+              <a:t>rise:</a:t>
+            </a:r>
+            <a:r>
+              <a:rPr/>
+              <a:t> </a:t>
+            </a:r>
+            <a:r>
+              <a:rPr/>
+              <a:t>Analytics</a:t>
+            </a:r>
+            <a:r>
+              <a:rPr/>
+              <a:t> </a:t>
+            </a:r>
+            <a:r>
+              <a:rPr/>
+              <a:t>in</a:t>
+            </a:r>
+            <a:r>
+              <a:rPr/>
+              <a:t> </a:t>
+            </a:r>
+            <a:r>
+              <a:rPr/>
+              <a:t>the</a:t>
+            </a:r>
+            <a:r>
+              <a:rPr/>
+              <a:t> </a:t>
+            </a:r>
+            <a:r>
+              <a:rPr/>
+              <a:t>classroom</a:t>
+            </a:r>
+          </a:p>
+        </p:txBody>
+      </p:sp>
+      <p:pic>
+        <p:nvPicPr>
+          <p:cNvPr descr="img/in_classroom_analytics.png" id="0" name="Picture 1"/>
+          <p:cNvPicPr>
+            <a:picLocks noGrp="1" noChangeAspect="1"/>
+          </p:cNvPicPr>
+          <p:nvPr/>
+        </p:nvPicPr>
+        <p:blipFill>
+          <a:blip r:embed="rId2"/>
+          <a:stretch>
+            <a:fillRect/>
+          </a:stretch>
+        </p:blipFill>
+        <p:spPr bwMode="auto">
+          <a:xfrm>
+            <a:off x="2844800" y="1600200"/>
+            <a:ext cx="3441700" cy="4013200"/>
+          </a:xfrm>
+          <a:prstGeom prst="rect">
+            <a:avLst/>
+          </a:prstGeom>
+          <a:noFill/>
+          <a:ln w="9525">
+            <a:noFill/>
+            <a:headEnd/>
+            <a:tailEnd/>
+          </a:ln>
+        </p:spPr>
+      </p:pic>
+      <p:sp>
+        <p:nvSpPr>
+          <p:cNvPr id="1" name="TextBox 3"/>
+          <p:cNvSpPr txBox="1"/>
+          <p:nvPr/>
+        </p:nvSpPr>
+        <p:spPr>
+          <a:xfrm>
+            <a:off x="457200" y="5613400"/>
+            <a:ext cx="8229600" cy="508000"/>
+          </a:xfrm>
+          <a:prstGeom prst="rect">
+            <a:avLst/>
+          </a:prstGeom>
+          <a:noFill/>
+        </p:spPr>
+        <p:txBody>
+          <a:bodyPr/>
+          <a:lstStyle/>
+          <a:p>
+            <a:pPr lvl="0" marL="0" indent="0" algn="ctr">
+              <a:buNone/>
+            </a:pPr>
+            <a:r>
+              <a:rPr/>
+              <a:t>Analytics</a:t>
+            </a:r>
+            <a:r>
+              <a:rPr/>
+              <a:t> </a:t>
+            </a:r>
+            <a:r>
+              <a:rPr/>
+              <a:t>in</a:t>
+            </a:r>
+            <a:r>
+              <a:rPr/>
+              <a:t> </a:t>
+            </a:r>
+            <a:r>
+              <a:rPr/>
+              <a:t>the</a:t>
+            </a:r>
+            <a:r>
+              <a:rPr/>
+              <a:t> </a:t>
+            </a:r>
+            <a:r>
+              <a:rPr/>
+              <a:t>Classroom</a:t>
+            </a:r>
+          </a:p>
+        </p:txBody>
+      </p:sp>
+    </p:spTree>
+  </p:cSld>
+</p:sld>
+</file>
+
+<file path=ppt/slides/slide42.xml><?xml version="1.0" encoding="utf-8"?>
+<p:sld xmlns:a="http://schemas.openxmlformats.org/drawingml/2006/main" xmlns:r="http://schemas.openxmlformats.org/officeDocument/2006/relationships" xmlns:p="http://schemas.openxmlformats.org/presentationml/2006/main">
+  <p:cSld>
+    <p:spTree>
+      <p:nvGrpSpPr>
+        <p:cNvPr id="1" name=""/>
+        <p:cNvGrpSpPr/>
+        <p:nvPr/>
+      </p:nvGrpSpPr>
+      <p:grpSpPr>
+        <a:xfrm>
+          <a:off x="0" y="0"/>
+          <a:ext cx="0" cy="0"/>
+          <a:chOff x="0" y="0"/>
+          <a:chExt cx="0" cy="0"/>
+        </a:xfrm>
+      </p:grpSpPr>
+      <p:sp>
+        <p:nvSpPr>
+          <p:cNvPr id="3" name="Content Placeholder 2"/>
+          <p:cNvSpPr>
+            <a:spLocks noGrp="1"/>
+          </p:cNvSpPr>
+          <p:nvPr>
+            <p:ph idx="1"/>
+          </p:nvPr>
+        </p:nvSpPr>
+        <p:spPr/>
+        <p:txBody>
+          <a:bodyPr/>
+          <a:lstStyle/>
+          <a:p>
+            <a:pPr lvl="0" marL="0" indent="0">
+              <a:buNone/>
+            </a:pPr>
+            <a:r>
+              <a:rPr/>
+              <a:t> # Aspirations for the Future</a:t>
+            </a:r>
+          </a:p>
+          <a:p>
+            <a:pPr lvl="1"/>
+            <a:r>
+              <a:rPr/>
+              <a:t>More rigor</a:t>
+            </a:r>
+          </a:p>
+          <a:p>
+            <a:pPr lvl="1"/>
+            <a:r>
+              <a:rPr/>
+              <a:t>Describe impact (better)</a:t>
+            </a:r>
+          </a:p>
+          <a:p>
+            <a:pPr lvl="1"/>
+            <a:r>
+              <a:rPr/>
+              <a:t>Research into practice</a:t>
+            </a:r>
+          </a:p>
+          <a:p>
+            <a:pPr lvl="1"/>
+            <a:r>
+              <a:rPr/>
+              <a:t>Generalizability</a:t>
+            </a:r>
+          </a:p>
+        </p:txBody>
+      </p:sp>
+    </p:spTree>
+  </p:cSld>
+</p:sld>
+</file>
+
+<file path=ppt/slides/slide43.xml><?xml version="1.0" encoding="utf-8"?>
+<p:sld xmlns:a="http://schemas.openxmlformats.org/drawingml/2006/main" xmlns:r="http://schemas.openxmlformats.org/officeDocument/2006/relationships" xmlns:p="http://schemas.openxmlformats.org/presentationml/2006/main">
+  <p:cSld>
+    <p:spTree>
+      <p:nvGrpSpPr>
+        <p:cNvPr id="1" name=""/>
+        <p:cNvGrpSpPr/>
+        <p:nvPr/>
+      </p:nvGrpSpPr>
+      <p:grpSpPr>
+        <a:xfrm>
+          <a:off x="0" y="0"/>
+          <a:ext cx="0" cy="0"/>
+          <a:chOff x="0" y="0"/>
+          <a:chExt cx="0" cy="0"/>
+        </a:xfrm>
+      </p:grpSpPr>
+      <p:sp>
+        <p:nvSpPr>
+          <p:cNvPr id="2" name="Title 1"/>
+          <p:cNvSpPr>
+            <a:spLocks noGrp="1"/>
+          </p:cNvSpPr>
+          <p:nvPr>
+            <p:ph type="title"/>
+          </p:nvPr>
+        </p:nvSpPr>
+        <p:spPr/>
+        <p:txBody>
+          <a:bodyPr/>
+          <a:lstStyle/>
+          <a:p>
+            <a:pPr lvl="0" marL="0" indent="0">
+              <a:buNone/>
+            </a:pPr>
+            <a:r>
+              <a:rPr/>
+              <a:t>References</a:t>
+            </a:r>
+          </a:p>
+        </p:txBody>
+      </p:sp>
+      <p:sp>
+        <p:nvSpPr>
+          <p:cNvPr id="3" name="Content Placeholder 2"/>
+          <p:cNvSpPr>
+            <a:spLocks noGrp="1"/>
+          </p:cNvSpPr>
+          <p:nvPr>
+            <p:ph idx="1"/>
+          </p:nvPr>
+        </p:nvSpPr>
+        <p:spPr/>
+        <p:txBody>
+          <a:bodyPr/>
+          <a:lstStyle/>
+          <a:p>
+            <a:pPr lvl="0" marL="0" indent="0">
+              <a:buNone/>
+            </a:pPr>
+            <a:r>
+              <a:rPr/>
+              <a:t>Dietrichson, Aleksander. 2013. “Beyond Clickometry: Analytics for Constructivist Pedagogies.” </a:t>
+            </a:r>
+            <a:r>
+              <a:rPr i="1"/>
+              <a:t>International Jl. On E-Learning</a:t>
+            </a:r>
+            <a:r>
+              <a:rPr/>
+              <a:t> 12: 333–51.</a:t>
+            </a:r>
+          </a:p>
+          <a:p>
+            <a:pPr lvl="0" marL="0" indent="0">
+              <a:buNone/>
+            </a:pPr>
+            <a:r>
+              <a:rPr/>
+              <a:t>Gašević, Dragan, Shane Dawson, Tim Rogers, and Danijela Gasevic. 2016. “Learning Analytics Should Not Promote One Size Fits All: The Effects of Instructional Conditions in Predicting Academic Success.” </a:t>
+            </a:r>
+            <a:r>
+              <a:rPr i="1"/>
+              <a:t>The Internet and Higher Education</a:t>
+            </a:r>
+            <a:r>
+              <a:rPr/>
+              <a:t> 28: 68–84. </a:t>
+            </a:r>
+            <a:r>
+              <a:rPr>
+                <a:hlinkClick r:id="rId2"/>
+              </a:rPr>
+              <a:t>https://doi.org/https://doi.org/10.1016/j.iheduc.2015.10.002</a:t>
+            </a:r>
+            <a:r>
+              <a:rPr/>
+              <a:t>.</a:t>
+            </a:r>
+          </a:p>
+          <a:p>
+            <a:pPr lvl="0" marL="0" indent="0">
+              <a:buNone/>
+            </a:pPr>
+            <a:r>
+              <a:rPr/>
+              <a:t>Viberg, Olga, Mathias Hatakka, Olof Bälter, and Anna Mavroudi. 2018. “The Current Landscape of Learning Analytics in Higher Education.” </a:t>
+            </a:r>
+            <a:r>
+              <a:rPr i="1"/>
+              <a:t>Computers in Human Behavior</a:t>
+            </a:r>
+            <a:r>
+              <a:rPr/>
+              <a:t> 89 (July). </a:t>
+            </a:r>
+            <a:r>
+              <a:rPr>
+                <a:hlinkClick r:id="rId3"/>
+              </a:rPr>
+              <a:t>https://doi.org/10.1016/j.chb.2018.07.027</a:t>
+            </a:r>
+            <a:r>
+              <a:rPr/>
+              <a:t>.</a:t>
+            </a:r>
+          </a:p>
+          <a:p>
+            <a:pPr lvl="0" marL="0" indent="0">
+              <a:buNone/>
+            </a:pPr>
+            <a:r>
+              <a:rPr/>
+              <a:t>Vieira, Camilo, Paul Parsons, and Vetria Byrd. 2018. “Visual Learning Analytics of Educational Data: A Systematic Literature Review and Research Agenda.” </a:t>
+            </a:r>
+            <a:r>
+              <a:rPr i="1"/>
+              <a:t>Computers &amp; Education</a:t>
+            </a:r>
+            <a:r>
+              <a:rPr/>
+              <a:t> 122: 119–35.</a:t>
+            </a:r>
+          </a:p>
+        </p:txBody>
+      </p:sp>
+    </p:spTree>
+  </p:cSld>
+</p:sld>
+</file>
+
 <file path=ppt/slides/slide5.xml><?xml version="1.0" encoding="utf-8"?>
 <p:sld xmlns:a="http://schemas.openxmlformats.org/drawingml/2006/main" xmlns:r="http://schemas.openxmlformats.org/officeDocument/2006/relationships" xmlns:p="http://schemas.openxmlformats.org/presentationml/2006/main">
   <p:cSld>
@@ -6248,7 +8157,7 @@
             </a:pPr>
             <a:r>
               <a:rPr/>
-              <a:t>Lack of to bring visual learning analytics tools into classroom settings</a:t>
+              <a:t>Lack of visual learning analytics tools in classroom settings;</a:t>
             </a:r>
           </a:p>
           <a:p>
@@ -6266,7 +8175,7 @@
             </a:pPr>
             <a:r>
               <a:rPr/>
-              <a:t>Traditional statistical visualization techniques, such as bar plots and scatter plots, are still the most commonly used in learning analytics contexts;</a:t>
+              <a:t>Traditional statistical visualization techniques, such as bar plots and scatter plots still predominant in learning analytics contexts;</a:t>
             </a:r>
           </a:p>
           <a:p>
